--- a/MJ/12.일정짜기.pptx
+++ b/MJ/12.일정짜기.pptx
@@ -5,7 +5,7 @@
     <p:sldMasterId id="2147483648" r:id="rId1"/>
   </p:sldMasterIdLst>
   <p:notesMasterIdLst>
-    <p:notesMasterId r:id="rId8"/>
+    <p:notesMasterId r:id="rId13"/>
   </p:notesMasterIdLst>
   <p:sldIdLst>
     <p:sldId id="256" r:id="rId2"/>
@@ -14,6 +14,11 @@
     <p:sldId id="266" r:id="rId5"/>
     <p:sldId id="269" r:id="rId6"/>
     <p:sldId id="268" r:id="rId7"/>
+    <p:sldId id="272" r:id="rId8"/>
+    <p:sldId id="273" r:id="rId9"/>
+    <p:sldId id="274" r:id="rId10"/>
+    <p:sldId id="275" r:id="rId11"/>
+    <p:sldId id="276" r:id="rId12"/>
   </p:sldIdLst>
   <p:sldSz cx="9144000" cy="6858000" type="screen4x3"/>
   <p:notesSz cx="6858000" cy="9144000"/>
@@ -197,7 +202,7 @@
           <a:p>
             <a:fld id="{8C5871BD-1864-483D-B481-1F42DCD72CF9}" type="datetimeFigureOut">
               <a:rPr lang="ko-KR" altLang="en-US" smtClean="0"/>
-              <a:t>2019-11-05</a:t>
+              <a:t>2019-11-19</a:t>
             </a:fld>
             <a:endParaRPr lang="ko-KR" altLang="en-US"/>
           </a:p>
@@ -764,7 +769,7 @@
           <a:p>
             <a:fld id="{1FB7BD49-E51A-401B-B202-178BC3488398}" type="datetimeFigureOut">
               <a:rPr lang="ko-KR" altLang="en-US" smtClean="0"/>
-              <a:t>2019-11-05</a:t>
+              <a:t>2019-11-19</a:t>
             </a:fld>
             <a:endParaRPr lang="ko-KR" altLang="en-US"/>
           </a:p>
@@ -934,7 +939,7 @@
           <a:p>
             <a:fld id="{1FB7BD49-E51A-401B-B202-178BC3488398}" type="datetimeFigureOut">
               <a:rPr lang="ko-KR" altLang="en-US" smtClean="0"/>
-              <a:t>2019-11-05</a:t>
+              <a:t>2019-11-19</a:t>
             </a:fld>
             <a:endParaRPr lang="ko-KR" altLang="en-US"/>
           </a:p>
@@ -1114,7 +1119,7 @@
           <a:p>
             <a:fld id="{1FB7BD49-E51A-401B-B202-178BC3488398}" type="datetimeFigureOut">
               <a:rPr lang="ko-KR" altLang="en-US" smtClean="0"/>
-              <a:t>2019-11-05</a:t>
+              <a:t>2019-11-19</a:t>
             </a:fld>
             <a:endParaRPr lang="ko-KR" altLang="en-US"/>
           </a:p>
@@ -1284,7 +1289,7 @@
           <a:p>
             <a:fld id="{1FB7BD49-E51A-401B-B202-178BC3488398}" type="datetimeFigureOut">
               <a:rPr lang="ko-KR" altLang="en-US" smtClean="0"/>
-              <a:t>2019-11-05</a:t>
+              <a:t>2019-11-19</a:t>
             </a:fld>
             <a:endParaRPr lang="ko-KR" altLang="en-US"/>
           </a:p>
@@ -1530,7 +1535,7 @@
           <a:p>
             <a:fld id="{1FB7BD49-E51A-401B-B202-178BC3488398}" type="datetimeFigureOut">
               <a:rPr lang="ko-KR" altLang="en-US" smtClean="0"/>
-              <a:t>2019-11-05</a:t>
+              <a:t>2019-11-19</a:t>
             </a:fld>
             <a:endParaRPr lang="ko-KR" altLang="en-US"/>
           </a:p>
@@ -1818,7 +1823,7 @@
           <a:p>
             <a:fld id="{1FB7BD49-E51A-401B-B202-178BC3488398}" type="datetimeFigureOut">
               <a:rPr lang="ko-KR" altLang="en-US" smtClean="0"/>
-              <a:t>2019-11-05</a:t>
+              <a:t>2019-11-19</a:t>
             </a:fld>
             <a:endParaRPr lang="ko-KR" altLang="en-US"/>
           </a:p>
@@ -2240,7 +2245,7 @@
           <a:p>
             <a:fld id="{1FB7BD49-E51A-401B-B202-178BC3488398}" type="datetimeFigureOut">
               <a:rPr lang="ko-KR" altLang="en-US" smtClean="0"/>
-              <a:t>2019-11-05</a:t>
+              <a:t>2019-11-19</a:t>
             </a:fld>
             <a:endParaRPr lang="ko-KR" altLang="en-US"/>
           </a:p>
@@ -2358,7 +2363,7 @@
           <a:p>
             <a:fld id="{1FB7BD49-E51A-401B-B202-178BC3488398}" type="datetimeFigureOut">
               <a:rPr lang="ko-KR" altLang="en-US" smtClean="0"/>
-              <a:t>2019-11-05</a:t>
+              <a:t>2019-11-19</a:t>
             </a:fld>
             <a:endParaRPr lang="ko-KR" altLang="en-US"/>
           </a:p>
@@ -2453,7 +2458,7 @@
           <a:p>
             <a:fld id="{1FB7BD49-E51A-401B-B202-178BC3488398}" type="datetimeFigureOut">
               <a:rPr lang="ko-KR" altLang="en-US" smtClean="0"/>
-              <a:t>2019-11-05</a:t>
+              <a:t>2019-11-19</a:t>
             </a:fld>
             <a:endParaRPr lang="ko-KR" altLang="en-US"/>
           </a:p>
@@ -2730,7 +2735,7 @@
           <a:p>
             <a:fld id="{1FB7BD49-E51A-401B-B202-178BC3488398}" type="datetimeFigureOut">
               <a:rPr lang="ko-KR" altLang="en-US" smtClean="0"/>
-              <a:t>2019-11-05</a:t>
+              <a:t>2019-11-19</a:t>
             </a:fld>
             <a:endParaRPr lang="ko-KR" altLang="en-US"/>
           </a:p>
@@ -2983,7 +2988,7 @@
           <a:p>
             <a:fld id="{1FB7BD49-E51A-401B-B202-178BC3488398}" type="datetimeFigureOut">
               <a:rPr lang="ko-KR" altLang="en-US" smtClean="0"/>
-              <a:t>2019-11-05</a:t>
+              <a:t>2019-11-19</a:t>
             </a:fld>
             <a:endParaRPr lang="ko-KR" altLang="en-US"/>
           </a:p>
@@ -3196,7 +3201,7 @@
           <a:p>
             <a:fld id="{1FB7BD49-E51A-401B-B202-178BC3488398}" type="datetimeFigureOut">
               <a:rPr lang="ko-KR" altLang="en-US" smtClean="0"/>
-              <a:t>2019-11-05</a:t>
+              <a:t>2019-11-19</a:t>
             </a:fld>
             <a:endParaRPr lang="ko-KR" altLang="en-US"/>
           </a:p>
@@ -3694,6 +3699,562 @@
     <p:extLst>
       <p:ext uri="{BB962C8B-B14F-4D97-AF65-F5344CB8AC3E}">
         <p14:creationId xmlns:p14="http://schemas.microsoft.com/office/powerpoint/2010/main" val="201602520"/>
+      </p:ext>
+    </p:extLst>
+  </p:cSld>
+  <p:clrMapOvr>
+    <a:masterClrMapping/>
+  </p:clrMapOvr>
+  <p:timing>
+    <p:tnLst>
+      <p:par>
+        <p:cTn id="1" dur="indefinite" restart="never" nodeType="tmRoot"/>
+      </p:par>
+    </p:tnLst>
+  </p:timing>
+</p:sld>
+</file>
+
+<file path=ppt/slides/slide10.xml><?xml version="1.0" encoding="utf-8"?>
+<p:sld xmlns:a="http://schemas.openxmlformats.org/drawingml/2006/main" xmlns:r="http://schemas.openxmlformats.org/officeDocument/2006/relationships" xmlns:p="http://schemas.openxmlformats.org/presentationml/2006/main">
+  <p:cSld>
+    <p:spTree>
+      <p:nvGrpSpPr>
+        <p:cNvPr id="1" name=""/>
+        <p:cNvGrpSpPr/>
+        <p:nvPr/>
+      </p:nvGrpSpPr>
+      <p:grpSpPr>
+        <a:xfrm>
+          <a:off x="0" y="0"/>
+          <a:ext cx="0" cy="0"/>
+          <a:chOff x="0" y="0"/>
+          <a:chExt cx="0" cy="0"/>
+        </a:xfrm>
+      </p:grpSpPr>
+      <p:pic>
+        <p:nvPicPr>
+          <p:cNvPr id="3074" name="Picture 2"/>
+          <p:cNvPicPr>
+            <a:picLocks noChangeAspect="1" noChangeArrowheads="1"/>
+          </p:cNvPicPr>
+          <p:nvPr/>
+        </p:nvPicPr>
+        <p:blipFill>
+          <a:blip r:embed="rId2" cstate="print">
+            <a:extLst>
+              <a:ext uri="{28A0092B-C50C-407E-A947-70E740481C1C}">
+                <a14:useLocalDpi xmlns:a14="http://schemas.microsoft.com/office/drawing/2010/main" val="0"/>
+              </a:ext>
+            </a:extLst>
+          </a:blip>
+          <a:srcRect/>
+          <a:stretch>
+            <a:fillRect/>
+          </a:stretch>
+        </p:blipFill>
+        <p:spPr bwMode="auto">
+          <a:xfrm>
+            <a:off x="0" y="116632"/>
+            <a:ext cx="9217024" cy="5544616"/>
+          </a:xfrm>
+          <a:prstGeom prst="rect">
+            <a:avLst/>
+          </a:prstGeom>
+          <a:noFill/>
+          <a:ln>
+            <a:noFill/>
+          </a:ln>
+          <a:effectLst/>
+          <a:extLst>
+            <a:ext uri="{909E8E84-426E-40DD-AFC4-6F175D3DCCD1}">
+              <a14:hiddenFill xmlns:a14="http://schemas.microsoft.com/office/drawing/2010/main">
+                <a:solidFill>
+                  <a:schemeClr val="accent1"/>
+                </a:solidFill>
+              </a14:hiddenFill>
+            </a:ext>
+            <a:ext uri="{91240B29-F687-4F45-9708-019B960494DF}">
+              <a14:hiddenLine xmlns:a14="http://schemas.microsoft.com/office/drawing/2010/main" w="9525">
+                <a:solidFill>
+                  <a:schemeClr val="tx1"/>
+                </a:solidFill>
+                <a:miter lim="800000"/>
+                <a:headEnd/>
+                <a:tailEnd/>
+              </a14:hiddenLine>
+            </a:ext>
+            <a:ext uri="{AF507438-7753-43E0-B8FC-AC1667EBCBE1}">
+              <a14:hiddenEffects xmlns:a14="http://schemas.microsoft.com/office/drawing/2010/main">
+                <a:effectLst>
+                  <a:outerShdw dist="35921" dir="2700000" algn="ctr" rotWithShape="0">
+                    <a:schemeClr val="bg2"/>
+                  </a:outerShdw>
+                </a:effectLst>
+              </a14:hiddenEffects>
+            </a:ext>
+          </a:extLst>
+        </p:spPr>
+      </p:pic>
+      <p:sp>
+        <p:nvSpPr>
+          <p:cNvPr id="4" name="TextBox 3"/>
+          <p:cNvSpPr txBox="1"/>
+          <p:nvPr/>
+        </p:nvSpPr>
+        <p:spPr>
+          <a:xfrm>
+            <a:off x="1813104" y="5949280"/>
+            <a:ext cx="5517793" cy="369332"/>
+          </a:xfrm>
+          <a:prstGeom prst="rect">
+            <a:avLst/>
+          </a:prstGeom>
+          <a:noFill/>
+        </p:spPr>
+        <p:txBody>
+          <a:bodyPr wrap="none" rtlCol="0">
+            <a:spAutoFit/>
+          </a:bodyPr>
+          <a:lstStyle/>
+          <a:p>
+            <a:r>
+              <a:rPr lang="en-US" altLang="ko-KR" dirty="0">
+                <a:hlinkClick r:id="rId3"/>
+              </a:rPr>
+              <a:t>https://</a:t>
+            </a:r>
+            <a:r>
+              <a:rPr lang="en-US" altLang="ko-KR" dirty="0" smtClean="0">
+                <a:hlinkClick r:id="rId3"/>
+              </a:rPr>
+              <a:t>trello.com/b/OLqMlxps/myplan</a:t>
+            </a:r>
+            <a:r>
+              <a:rPr lang="en-US" altLang="ko-KR" dirty="0" smtClean="0"/>
+              <a:t> </a:t>
+            </a:r>
+            <a:r>
+              <a:rPr lang="ko-KR" altLang="en-US" dirty="0" smtClean="0"/>
+              <a:t>리스트 참고</a:t>
+            </a:r>
+            <a:endParaRPr lang="ko-KR" altLang="en-US" dirty="0"/>
+          </a:p>
+        </p:txBody>
+      </p:sp>
+    </p:spTree>
+    <p:extLst>
+      <p:ext uri="{BB962C8B-B14F-4D97-AF65-F5344CB8AC3E}">
+        <p14:creationId xmlns:p14="http://schemas.microsoft.com/office/powerpoint/2010/main" val="2950929524"/>
+      </p:ext>
+    </p:extLst>
+  </p:cSld>
+  <p:clrMapOvr>
+    <a:masterClrMapping/>
+  </p:clrMapOvr>
+  <p:timing>
+    <p:tnLst>
+      <p:par>
+        <p:cTn id="1" dur="indefinite" restart="never" nodeType="tmRoot"/>
+      </p:par>
+    </p:tnLst>
+  </p:timing>
+</p:sld>
+</file>
+
+<file path=ppt/slides/slide11.xml><?xml version="1.0" encoding="utf-8"?>
+<p:sld xmlns:a="http://schemas.openxmlformats.org/drawingml/2006/main" xmlns:r="http://schemas.openxmlformats.org/officeDocument/2006/relationships" xmlns:p="http://schemas.openxmlformats.org/presentationml/2006/main">
+  <p:cSld>
+    <p:spTree>
+      <p:nvGrpSpPr>
+        <p:cNvPr id="1" name=""/>
+        <p:cNvGrpSpPr/>
+        <p:nvPr/>
+      </p:nvGrpSpPr>
+      <p:grpSpPr>
+        <a:xfrm>
+          <a:off x="0" y="0"/>
+          <a:ext cx="0" cy="0"/>
+          <a:chOff x="0" y="0"/>
+          <a:chExt cx="0" cy="0"/>
+        </a:xfrm>
+      </p:grpSpPr>
+      <p:pic>
+        <p:nvPicPr>
+          <p:cNvPr id="3074" name="Picture 2"/>
+          <p:cNvPicPr>
+            <a:picLocks noChangeAspect="1" noChangeArrowheads="1"/>
+          </p:cNvPicPr>
+          <p:nvPr/>
+        </p:nvPicPr>
+        <p:blipFill rotWithShape="1">
+          <a:blip r:embed="rId2" cstate="print">
+            <a:extLst>
+              <a:ext uri="{28A0092B-C50C-407E-A947-70E740481C1C}">
+                <a14:useLocalDpi xmlns:a14="http://schemas.microsoft.com/office/drawing/2010/main" val="0"/>
+              </a:ext>
+            </a:extLst>
+          </a:blip>
+          <a:srcRect r="18568"/>
+          <a:stretch/>
+        </p:blipFill>
+        <p:spPr bwMode="auto">
+          <a:xfrm>
+            <a:off x="35496" y="0"/>
+            <a:ext cx="9065255" cy="6696744"/>
+          </a:xfrm>
+          <a:prstGeom prst="rect">
+            <a:avLst/>
+          </a:prstGeom>
+          <a:noFill/>
+          <a:ln>
+            <a:noFill/>
+          </a:ln>
+          <a:effectLst/>
+          <a:extLst>
+            <a:ext uri="{909E8E84-426E-40DD-AFC4-6F175D3DCCD1}">
+              <a14:hiddenFill xmlns:a14="http://schemas.microsoft.com/office/drawing/2010/main">
+                <a:solidFill>
+                  <a:schemeClr val="accent1"/>
+                </a:solidFill>
+              </a14:hiddenFill>
+            </a:ext>
+            <a:ext uri="{91240B29-F687-4F45-9708-019B960494DF}">
+              <a14:hiddenLine xmlns:a14="http://schemas.microsoft.com/office/drawing/2010/main" w="9525">
+                <a:solidFill>
+                  <a:schemeClr val="tx1"/>
+                </a:solidFill>
+                <a:miter lim="800000"/>
+                <a:headEnd/>
+                <a:tailEnd/>
+              </a14:hiddenLine>
+            </a:ext>
+            <a:ext uri="{AF507438-7753-43E0-B8FC-AC1667EBCBE1}">
+              <a14:hiddenEffects xmlns:a14="http://schemas.microsoft.com/office/drawing/2010/main">
+                <a:effectLst>
+                  <a:outerShdw dist="35921" dir="2700000" algn="ctr" rotWithShape="0">
+                    <a:schemeClr val="bg2"/>
+                  </a:outerShdw>
+                </a:effectLst>
+              </a14:hiddenEffects>
+            </a:ext>
+          </a:extLst>
+        </p:spPr>
+      </p:pic>
+      <p:sp>
+        <p:nvSpPr>
+          <p:cNvPr id="2" name="TextBox 1"/>
+          <p:cNvSpPr txBox="1"/>
+          <p:nvPr/>
+        </p:nvSpPr>
+        <p:spPr>
+          <a:xfrm>
+            <a:off x="1547664" y="1484784"/>
+            <a:ext cx="277640" cy="276999"/>
+          </a:xfrm>
+          <a:prstGeom prst="rect">
+            <a:avLst/>
+          </a:prstGeom>
+          <a:noFill/>
+        </p:spPr>
+        <p:txBody>
+          <a:bodyPr wrap="none" rtlCol="0">
+            <a:spAutoFit/>
+          </a:bodyPr>
+          <a:lstStyle/>
+          <a:p>
+            <a:r>
+              <a:rPr lang="en-US" altLang="ko-KR" sz="1200" dirty="0" smtClean="0"/>
+              <a:t>X</a:t>
+            </a:r>
+            <a:endParaRPr lang="ko-KR" altLang="en-US" sz="1200" dirty="0"/>
+          </a:p>
+        </p:txBody>
+      </p:sp>
+      <p:sp>
+        <p:nvSpPr>
+          <p:cNvPr id="5" name="직사각형 4"/>
+          <p:cNvSpPr/>
+          <p:nvPr/>
+        </p:nvSpPr>
+        <p:spPr>
+          <a:xfrm>
+            <a:off x="1520192" y="1484784"/>
+            <a:ext cx="305112" cy="276999"/>
+          </a:xfrm>
+          <a:prstGeom prst="rect">
+            <a:avLst/>
+          </a:prstGeom>
+          <a:noFill/>
+          <a:ln>
+            <a:solidFill>
+              <a:srgbClr val="C00000"/>
+            </a:solidFill>
+          </a:ln>
+        </p:spPr>
+        <p:style>
+          <a:lnRef idx="2">
+            <a:schemeClr val="accent1">
+              <a:shade val="50000"/>
+            </a:schemeClr>
+          </a:lnRef>
+          <a:fillRef idx="1">
+            <a:schemeClr val="accent1"/>
+          </a:fillRef>
+          <a:effectRef idx="0">
+            <a:schemeClr val="accent1"/>
+          </a:effectRef>
+          <a:fontRef idx="minor">
+            <a:schemeClr val="lt1"/>
+          </a:fontRef>
+        </p:style>
+        <p:txBody>
+          <a:bodyPr rtlCol="0" anchor="ctr"/>
+          <a:lstStyle/>
+          <a:p>
+            <a:pPr algn="ctr"/>
+            <a:endParaRPr lang="ko-KR" altLang="en-US"/>
+          </a:p>
+        </p:txBody>
+      </p:sp>
+      <p:sp>
+        <p:nvSpPr>
+          <p:cNvPr id="6" name="직사각형 5"/>
+          <p:cNvSpPr/>
+          <p:nvPr/>
+        </p:nvSpPr>
+        <p:spPr>
+          <a:xfrm>
+            <a:off x="1502264" y="1268760"/>
+            <a:ext cx="216024" cy="216024"/>
+          </a:xfrm>
+          <a:prstGeom prst="rect">
+            <a:avLst/>
+          </a:prstGeom>
+          <a:solidFill>
+            <a:srgbClr val="C00000"/>
+          </a:solidFill>
+          <a:ln>
+            <a:noFill/>
+          </a:ln>
+        </p:spPr>
+        <p:style>
+          <a:lnRef idx="2">
+            <a:schemeClr val="accent1">
+              <a:shade val="50000"/>
+            </a:schemeClr>
+          </a:lnRef>
+          <a:fillRef idx="1">
+            <a:schemeClr val="accent1"/>
+          </a:fillRef>
+          <a:effectRef idx="0">
+            <a:schemeClr val="accent1"/>
+          </a:effectRef>
+          <a:fontRef idx="minor">
+            <a:schemeClr val="lt1"/>
+          </a:fontRef>
+        </p:style>
+        <p:txBody>
+          <a:bodyPr rtlCol="0" anchor="ctr"/>
+          <a:lstStyle/>
+          <a:p>
+            <a:pPr algn="ctr"/>
+            <a:r>
+              <a:rPr lang="en-US" altLang="ko-KR" sz="1400" dirty="0" smtClean="0"/>
+              <a:t>1</a:t>
+            </a:r>
+            <a:endParaRPr lang="ko-KR" altLang="en-US" sz="1400" dirty="0"/>
+          </a:p>
+        </p:txBody>
+      </p:sp>
+      <p:sp>
+        <p:nvSpPr>
+          <p:cNvPr id="3" name="TextBox 2"/>
+          <p:cNvSpPr txBox="1"/>
+          <p:nvPr/>
+        </p:nvSpPr>
+        <p:spPr>
+          <a:xfrm>
+            <a:off x="251520" y="5013176"/>
+            <a:ext cx="6466835" cy="923330"/>
+          </a:xfrm>
+          <a:prstGeom prst="rect">
+            <a:avLst/>
+          </a:prstGeom>
+          <a:noFill/>
+        </p:spPr>
+        <p:txBody>
+          <a:bodyPr wrap="none" rtlCol="0">
+            <a:spAutoFit/>
+          </a:bodyPr>
+          <a:lstStyle/>
+          <a:p>
+            <a:r>
+              <a:rPr lang="en-US" altLang="ko-KR" dirty="0" smtClean="0"/>
+              <a:t>[1] </a:t>
+            </a:r>
+            <a:r>
+              <a:rPr lang="ko-KR" altLang="en-US" dirty="0" smtClean="0"/>
+              <a:t>삭제는 리스트 항목만 가능</a:t>
+            </a:r>
+            <a:r>
+              <a:rPr lang="en-US" altLang="ko-KR" dirty="0" smtClean="0"/>
+              <a:t>. </a:t>
+            </a:r>
+            <a:r>
+              <a:rPr lang="ko-KR" altLang="en-US" dirty="0" err="1" smtClean="0"/>
+              <a:t>앨럿으로</a:t>
+            </a:r>
+            <a:r>
+              <a:rPr lang="ko-KR" altLang="en-US" dirty="0" smtClean="0"/>
+              <a:t> 삭제 여부 물어보기</a:t>
+            </a:r>
+            <a:endParaRPr lang="en-US" altLang="ko-KR" dirty="0" smtClean="0"/>
+          </a:p>
+          <a:p>
+            <a:r>
+              <a:rPr lang="en-US" altLang="ko-KR" dirty="0" smtClean="0"/>
+              <a:t>[2] </a:t>
+            </a:r>
+            <a:r>
+              <a:rPr lang="ko-KR" altLang="en-US" dirty="0" smtClean="0"/>
+              <a:t>리스트 항목은 내용 전체를 보여준다</a:t>
+            </a:r>
+            <a:r>
+              <a:rPr lang="en-US" altLang="ko-KR" dirty="0" smtClean="0"/>
+              <a:t>.</a:t>
+            </a:r>
+            <a:br>
+              <a:rPr lang="en-US" altLang="ko-KR" dirty="0" smtClean="0"/>
+            </a:br>
+            <a:r>
+              <a:rPr lang="en-US" altLang="ko-KR" dirty="0" smtClean="0"/>
+              <a:t> - </a:t>
+            </a:r>
+            <a:r>
+              <a:rPr lang="ko-KR" altLang="en-US" dirty="0" smtClean="0"/>
+              <a:t>장소</a:t>
+            </a:r>
+            <a:r>
+              <a:rPr lang="en-US" altLang="ko-KR" dirty="0" smtClean="0"/>
+              <a:t>: </a:t>
+            </a:r>
+            <a:r>
+              <a:rPr lang="ko-KR" altLang="en-US" dirty="0" err="1" smtClean="0"/>
+              <a:t>장소명</a:t>
+            </a:r>
+            <a:r>
+              <a:rPr lang="en-US" altLang="ko-KR" dirty="0" smtClean="0"/>
+              <a:t>, </a:t>
+            </a:r>
+            <a:r>
+              <a:rPr lang="ko-KR" altLang="en-US" dirty="0" smtClean="0"/>
+              <a:t>메모 노출</a:t>
+            </a:r>
+            <a:endParaRPr lang="ko-KR" altLang="en-US" dirty="0"/>
+          </a:p>
+        </p:txBody>
+      </p:sp>
+      <p:sp>
+        <p:nvSpPr>
+          <p:cNvPr id="8" name="직사각형 7"/>
+          <p:cNvSpPr/>
+          <p:nvPr/>
+        </p:nvSpPr>
+        <p:spPr>
+          <a:xfrm>
+            <a:off x="3779912" y="1484783"/>
+            <a:ext cx="1656184" cy="576065"/>
+          </a:xfrm>
+          <a:prstGeom prst="rect">
+            <a:avLst/>
+          </a:prstGeom>
+          <a:noFill/>
+          <a:ln>
+            <a:solidFill>
+              <a:srgbClr val="C00000"/>
+            </a:solidFill>
+          </a:ln>
+        </p:spPr>
+        <p:style>
+          <a:lnRef idx="2">
+            <a:schemeClr val="accent1">
+              <a:shade val="50000"/>
+            </a:schemeClr>
+          </a:lnRef>
+          <a:fillRef idx="1">
+            <a:schemeClr val="accent1"/>
+          </a:fillRef>
+          <a:effectRef idx="0">
+            <a:schemeClr val="accent1"/>
+          </a:effectRef>
+          <a:fontRef idx="minor">
+            <a:schemeClr val="lt1"/>
+          </a:fontRef>
+        </p:style>
+        <p:txBody>
+          <a:bodyPr rtlCol="0" anchor="ctr"/>
+          <a:lstStyle/>
+          <a:p>
+            <a:pPr algn="ctr"/>
+            <a:endParaRPr lang="ko-KR" altLang="en-US"/>
+          </a:p>
+        </p:txBody>
+      </p:sp>
+      <p:sp>
+        <p:nvSpPr>
+          <p:cNvPr id="9" name="직사각형 8"/>
+          <p:cNvSpPr/>
+          <p:nvPr/>
+        </p:nvSpPr>
+        <p:spPr>
+          <a:xfrm>
+            <a:off x="3761984" y="1268759"/>
+            <a:ext cx="216024" cy="216024"/>
+          </a:xfrm>
+          <a:prstGeom prst="rect">
+            <a:avLst/>
+          </a:prstGeom>
+          <a:solidFill>
+            <a:srgbClr val="C00000"/>
+          </a:solidFill>
+          <a:ln>
+            <a:noFill/>
+          </a:ln>
+        </p:spPr>
+        <p:style>
+          <a:lnRef idx="2">
+            <a:schemeClr val="accent1">
+              <a:shade val="50000"/>
+            </a:schemeClr>
+          </a:lnRef>
+          <a:fillRef idx="1">
+            <a:schemeClr val="accent1"/>
+          </a:fillRef>
+          <a:effectRef idx="0">
+            <a:schemeClr val="accent1"/>
+          </a:effectRef>
+          <a:fontRef idx="minor">
+            <a:schemeClr val="lt1"/>
+          </a:fontRef>
+        </p:style>
+        <p:txBody>
+          <a:bodyPr rtlCol="0" anchor="ctr"/>
+          <a:lstStyle/>
+          <a:p>
+            <a:pPr algn="ctr"/>
+            <a:r>
+              <a:rPr lang="en-US" altLang="ko-KR" sz="1400" dirty="0"/>
+              <a:t>2</a:t>
+            </a:r>
+            <a:endParaRPr lang="ko-KR" altLang="en-US" sz="1400" dirty="0"/>
+          </a:p>
+        </p:txBody>
+      </p:sp>
+    </p:spTree>
+    <p:extLst>
+      <p:ext uri="{BB962C8B-B14F-4D97-AF65-F5344CB8AC3E}">
+        <p14:creationId xmlns:p14="http://schemas.microsoft.com/office/powerpoint/2010/main" val="1483260727"/>
       </p:ext>
     </p:extLst>
   </p:cSld>
@@ -27243,10 +27804,6 @@
               </a:rPr>
               <a:t>지</a:t>
             </a:r>
-            <a:endParaRPr lang="ko-KR" altLang="en-US" sz="1050" dirty="0">
-              <a:latin typeface="나눔스퀘어 Bold" pitchFamily="50" charset="-127"/>
-              <a:ea typeface="나눔스퀘어 Bold" pitchFamily="50" charset="-127"/>
-            </a:endParaRPr>
           </a:p>
         </p:txBody>
       </p:sp>
@@ -31380,6 +31937,1829 @@
 </p:sld>
 </file>
 
+<file path=ppt/slides/slide7.xml><?xml version="1.0" encoding="utf-8"?>
+<p:sld xmlns:a="http://schemas.openxmlformats.org/drawingml/2006/main" xmlns:r="http://schemas.openxmlformats.org/officeDocument/2006/relationships" xmlns:p="http://schemas.openxmlformats.org/presentationml/2006/main">
+  <p:cSld>
+    <p:spTree>
+      <p:nvGrpSpPr>
+        <p:cNvPr id="1" name=""/>
+        <p:cNvGrpSpPr/>
+        <p:nvPr/>
+      </p:nvGrpSpPr>
+      <p:grpSpPr>
+        <a:xfrm>
+          <a:off x="0" y="0"/>
+          <a:ext cx="0" cy="0"/>
+          <a:chOff x="0" y="0"/>
+          <a:chExt cx="0" cy="0"/>
+        </a:xfrm>
+      </p:grpSpPr>
+      <p:pic>
+        <p:nvPicPr>
+          <p:cNvPr id="1027" name="Picture 3" descr="C:\00.JMJ\02.스터디\Toy Git\Toy-Project\MJ\일정짜기-장소.jpg"/>
+          <p:cNvPicPr>
+            <a:picLocks noChangeAspect="1" noChangeArrowheads="1"/>
+          </p:cNvPicPr>
+          <p:nvPr/>
+        </p:nvPicPr>
+        <p:blipFill>
+          <a:blip r:embed="rId2">
+            <a:extLst>
+              <a:ext uri="{28A0092B-C50C-407E-A947-70E740481C1C}">
+                <a14:useLocalDpi xmlns:a14="http://schemas.microsoft.com/office/drawing/2010/main" val="0"/>
+              </a:ext>
+            </a:extLst>
+          </a:blip>
+          <a:srcRect/>
+          <a:stretch>
+            <a:fillRect/>
+          </a:stretch>
+        </p:blipFill>
+        <p:spPr bwMode="auto">
+          <a:xfrm>
+            <a:off x="395536" y="80901"/>
+            <a:ext cx="8367018" cy="6660467"/>
+          </a:xfrm>
+          <a:prstGeom prst="rect">
+            <a:avLst/>
+          </a:prstGeom>
+          <a:noFill/>
+          <a:extLst>
+            <a:ext uri="{909E8E84-426E-40DD-AFC4-6F175D3DCCD1}">
+              <a14:hiddenFill xmlns:a14="http://schemas.microsoft.com/office/drawing/2010/main">
+                <a:solidFill>
+                  <a:srgbClr val="FFFFFF"/>
+                </a:solidFill>
+              </a14:hiddenFill>
+            </a:ext>
+          </a:extLst>
+        </p:spPr>
+      </p:pic>
+    </p:spTree>
+    <p:extLst>
+      <p:ext uri="{BB962C8B-B14F-4D97-AF65-F5344CB8AC3E}">
+        <p14:creationId xmlns:p14="http://schemas.microsoft.com/office/powerpoint/2010/main" val="3594947585"/>
+      </p:ext>
+    </p:extLst>
+  </p:cSld>
+  <p:clrMapOvr>
+    <a:masterClrMapping/>
+  </p:clrMapOvr>
+  <p:timing>
+    <p:tnLst>
+      <p:par>
+        <p:cTn id="1" dur="indefinite" restart="never" nodeType="tmRoot"/>
+      </p:par>
+    </p:tnLst>
+  </p:timing>
+</p:sld>
+</file>
+
+<file path=ppt/slides/slide8.xml><?xml version="1.0" encoding="utf-8"?>
+<p:sld xmlns:a="http://schemas.openxmlformats.org/drawingml/2006/main" xmlns:r="http://schemas.openxmlformats.org/officeDocument/2006/relationships" xmlns:p="http://schemas.openxmlformats.org/presentationml/2006/main">
+  <p:cSld>
+    <p:spTree>
+      <p:nvGrpSpPr>
+        <p:cNvPr id="1" name=""/>
+        <p:cNvGrpSpPr/>
+        <p:nvPr/>
+      </p:nvGrpSpPr>
+      <p:grpSpPr>
+        <a:xfrm>
+          <a:off x="0" y="0"/>
+          <a:ext cx="0" cy="0"/>
+          <a:chOff x="0" y="0"/>
+          <a:chExt cx="0" cy="0"/>
+        </a:xfrm>
+      </p:grpSpPr>
+      <p:pic>
+        <p:nvPicPr>
+          <p:cNvPr id="4" name="Picture 3" descr="C:\00.JMJ\02.스터디\Toy Git\Toy-Project\MJ\일정짜기-장소.jpg"/>
+          <p:cNvPicPr>
+            <a:picLocks noChangeAspect="1" noChangeArrowheads="1"/>
+          </p:cNvPicPr>
+          <p:nvPr/>
+        </p:nvPicPr>
+        <p:blipFill rotWithShape="1">
+          <a:blip r:embed="rId2">
+            <a:extLst>
+              <a:ext uri="{28A0092B-C50C-407E-A947-70E740481C1C}">
+                <a14:useLocalDpi xmlns:a14="http://schemas.microsoft.com/office/drawing/2010/main" val="0"/>
+              </a:ext>
+            </a:extLst>
+          </a:blip>
+          <a:srcRect l="9569" t="1747" r="12430"/>
+          <a:stretch/>
+        </p:blipFill>
+        <p:spPr bwMode="auto">
+          <a:xfrm>
+            <a:off x="107504" y="116632"/>
+            <a:ext cx="6526307" cy="6544144"/>
+          </a:xfrm>
+          <a:prstGeom prst="rect">
+            <a:avLst/>
+          </a:prstGeom>
+          <a:noFill/>
+          <a:extLst>
+            <a:ext uri="{909E8E84-426E-40DD-AFC4-6F175D3DCCD1}">
+              <a14:hiddenFill xmlns:a14="http://schemas.microsoft.com/office/drawing/2010/main">
+                <a:solidFill>
+                  <a:srgbClr val="FFFFFF"/>
+                </a:solidFill>
+              </a14:hiddenFill>
+            </a:ext>
+          </a:extLst>
+        </p:spPr>
+      </p:pic>
+      <p:sp>
+        <p:nvSpPr>
+          <p:cNvPr id="5" name="직사각형 4"/>
+          <p:cNvSpPr/>
+          <p:nvPr/>
+        </p:nvSpPr>
+        <p:spPr>
+          <a:xfrm>
+            <a:off x="5148064" y="764704"/>
+            <a:ext cx="1296144" cy="1224136"/>
+          </a:xfrm>
+          <a:prstGeom prst="rect">
+            <a:avLst/>
+          </a:prstGeom>
+          <a:noFill/>
+          <a:ln>
+            <a:solidFill>
+              <a:srgbClr val="C00000"/>
+            </a:solidFill>
+          </a:ln>
+        </p:spPr>
+        <p:style>
+          <a:lnRef idx="2">
+            <a:schemeClr val="accent1">
+              <a:shade val="50000"/>
+            </a:schemeClr>
+          </a:lnRef>
+          <a:fillRef idx="1">
+            <a:schemeClr val="accent1"/>
+          </a:fillRef>
+          <a:effectRef idx="0">
+            <a:schemeClr val="accent1"/>
+          </a:effectRef>
+          <a:fontRef idx="minor">
+            <a:schemeClr val="lt1"/>
+          </a:fontRef>
+        </p:style>
+        <p:txBody>
+          <a:bodyPr rtlCol="0" anchor="ctr"/>
+          <a:lstStyle/>
+          <a:p>
+            <a:pPr algn="ctr"/>
+            <a:endParaRPr lang="ko-KR" altLang="en-US"/>
+          </a:p>
+        </p:txBody>
+      </p:sp>
+      <p:sp>
+        <p:nvSpPr>
+          <p:cNvPr id="6" name="직사각형 5"/>
+          <p:cNvSpPr/>
+          <p:nvPr/>
+        </p:nvSpPr>
+        <p:spPr>
+          <a:xfrm>
+            <a:off x="971600" y="1700808"/>
+            <a:ext cx="4176464" cy="2880320"/>
+          </a:xfrm>
+          <a:prstGeom prst="rect">
+            <a:avLst/>
+          </a:prstGeom>
+          <a:noFill/>
+          <a:ln>
+            <a:solidFill>
+              <a:srgbClr val="C00000"/>
+            </a:solidFill>
+          </a:ln>
+        </p:spPr>
+        <p:style>
+          <a:lnRef idx="2">
+            <a:schemeClr val="accent1">
+              <a:shade val="50000"/>
+            </a:schemeClr>
+          </a:lnRef>
+          <a:fillRef idx="1">
+            <a:schemeClr val="accent1"/>
+          </a:fillRef>
+          <a:effectRef idx="0">
+            <a:schemeClr val="accent1"/>
+          </a:effectRef>
+          <a:fontRef idx="minor">
+            <a:schemeClr val="lt1"/>
+          </a:fontRef>
+        </p:style>
+        <p:txBody>
+          <a:bodyPr rtlCol="0" anchor="ctr"/>
+          <a:lstStyle/>
+          <a:p>
+            <a:pPr algn="ctr"/>
+            <a:endParaRPr lang="ko-KR" altLang="en-US"/>
+          </a:p>
+        </p:txBody>
+      </p:sp>
+      <p:sp>
+        <p:nvSpPr>
+          <p:cNvPr id="7" name="직사각형 6"/>
+          <p:cNvSpPr/>
+          <p:nvPr/>
+        </p:nvSpPr>
+        <p:spPr>
+          <a:xfrm>
+            <a:off x="995796" y="4869160"/>
+            <a:ext cx="4176464" cy="1872208"/>
+          </a:xfrm>
+          <a:prstGeom prst="rect">
+            <a:avLst/>
+          </a:prstGeom>
+          <a:noFill/>
+          <a:ln>
+            <a:solidFill>
+              <a:srgbClr val="C00000"/>
+            </a:solidFill>
+          </a:ln>
+        </p:spPr>
+        <p:style>
+          <a:lnRef idx="2">
+            <a:schemeClr val="accent1">
+              <a:shade val="50000"/>
+            </a:schemeClr>
+          </a:lnRef>
+          <a:fillRef idx="1">
+            <a:schemeClr val="accent1"/>
+          </a:fillRef>
+          <a:effectRef idx="0">
+            <a:schemeClr val="accent1"/>
+          </a:effectRef>
+          <a:fontRef idx="minor">
+            <a:schemeClr val="lt1"/>
+          </a:fontRef>
+        </p:style>
+        <p:txBody>
+          <a:bodyPr rtlCol="0" anchor="ctr"/>
+          <a:lstStyle/>
+          <a:p>
+            <a:pPr algn="ctr"/>
+            <a:endParaRPr lang="ko-KR" altLang="en-US"/>
+          </a:p>
+        </p:txBody>
+      </p:sp>
+      <p:sp>
+        <p:nvSpPr>
+          <p:cNvPr id="8" name="직사각형 7"/>
+          <p:cNvSpPr/>
+          <p:nvPr/>
+        </p:nvSpPr>
+        <p:spPr>
+          <a:xfrm>
+            <a:off x="5130136" y="548680"/>
+            <a:ext cx="216024" cy="216024"/>
+          </a:xfrm>
+          <a:prstGeom prst="rect">
+            <a:avLst/>
+          </a:prstGeom>
+          <a:solidFill>
+            <a:srgbClr val="C00000"/>
+          </a:solidFill>
+          <a:ln>
+            <a:noFill/>
+          </a:ln>
+        </p:spPr>
+        <p:style>
+          <a:lnRef idx="2">
+            <a:schemeClr val="accent1">
+              <a:shade val="50000"/>
+            </a:schemeClr>
+          </a:lnRef>
+          <a:fillRef idx="1">
+            <a:schemeClr val="accent1"/>
+          </a:fillRef>
+          <a:effectRef idx="0">
+            <a:schemeClr val="accent1"/>
+          </a:effectRef>
+          <a:fontRef idx="minor">
+            <a:schemeClr val="lt1"/>
+          </a:fontRef>
+        </p:style>
+        <p:txBody>
+          <a:bodyPr rtlCol="0" anchor="ctr"/>
+          <a:lstStyle/>
+          <a:p>
+            <a:pPr algn="ctr"/>
+            <a:r>
+              <a:rPr lang="en-US" altLang="ko-KR" sz="1400" dirty="0" smtClean="0"/>
+              <a:t>1</a:t>
+            </a:r>
+            <a:endParaRPr lang="ko-KR" altLang="en-US" sz="1400" dirty="0"/>
+          </a:p>
+        </p:txBody>
+      </p:sp>
+      <p:sp>
+        <p:nvSpPr>
+          <p:cNvPr id="9" name="직사각형 8"/>
+          <p:cNvSpPr/>
+          <p:nvPr/>
+        </p:nvSpPr>
+        <p:spPr>
+          <a:xfrm>
+            <a:off x="971600" y="1700808"/>
+            <a:ext cx="216024" cy="216024"/>
+          </a:xfrm>
+          <a:prstGeom prst="rect">
+            <a:avLst/>
+          </a:prstGeom>
+          <a:solidFill>
+            <a:srgbClr val="C00000"/>
+          </a:solidFill>
+          <a:ln>
+            <a:noFill/>
+          </a:ln>
+        </p:spPr>
+        <p:style>
+          <a:lnRef idx="2">
+            <a:schemeClr val="accent1">
+              <a:shade val="50000"/>
+            </a:schemeClr>
+          </a:lnRef>
+          <a:fillRef idx="1">
+            <a:schemeClr val="accent1"/>
+          </a:fillRef>
+          <a:effectRef idx="0">
+            <a:schemeClr val="accent1"/>
+          </a:effectRef>
+          <a:fontRef idx="minor">
+            <a:schemeClr val="lt1"/>
+          </a:fontRef>
+        </p:style>
+        <p:txBody>
+          <a:bodyPr rtlCol="0" anchor="ctr"/>
+          <a:lstStyle/>
+          <a:p>
+            <a:pPr algn="ctr"/>
+            <a:r>
+              <a:rPr lang="en-US" altLang="ko-KR" sz="1400" dirty="0"/>
+              <a:t>2</a:t>
+            </a:r>
+            <a:endParaRPr lang="ko-KR" altLang="en-US" sz="1400" dirty="0"/>
+          </a:p>
+        </p:txBody>
+      </p:sp>
+      <p:sp>
+        <p:nvSpPr>
+          <p:cNvPr id="10" name="직사각형 9"/>
+          <p:cNvSpPr/>
+          <p:nvPr/>
+        </p:nvSpPr>
+        <p:spPr>
+          <a:xfrm>
+            <a:off x="995796" y="4869160"/>
+            <a:ext cx="216024" cy="216024"/>
+          </a:xfrm>
+          <a:prstGeom prst="rect">
+            <a:avLst/>
+          </a:prstGeom>
+          <a:solidFill>
+            <a:srgbClr val="C00000"/>
+          </a:solidFill>
+          <a:ln>
+            <a:noFill/>
+          </a:ln>
+        </p:spPr>
+        <p:style>
+          <a:lnRef idx="2">
+            <a:schemeClr val="accent1">
+              <a:shade val="50000"/>
+            </a:schemeClr>
+          </a:lnRef>
+          <a:fillRef idx="1">
+            <a:schemeClr val="accent1"/>
+          </a:fillRef>
+          <a:effectRef idx="0">
+            <a:schemeClr val="accent1"/>
+          </a:effectRef>
+          <a:fontRef idx="minor">
+            <a:schemeClr val="lt1"/>
+          </a:fontRef>
+        </p:style>
+        <p:txBody>
+          <a:bodyPr rtlCol="0" anchor="ctr"/>
+          <a:lstStyle/>
+          <a:p>
+            <a:pPr algn="ctr"/>
+            <a:r>
+              <a:rPr lang="en-US" altLang="ko-KR" sz="1400" dirty="0" smtClean="0"/>
+              <a:t>3</a:t>
+            </a:r>
+            <a:endParaRPr lang="ko-KR" altLang="en-US" sz="1400" dirty="0"/>
+          </a:p>
+        </p:txBody>
+      </p:sp>
+      <p:sp>
+        <p:nvSpPr>
+          <p:cNvPr id="11" name="직사각형 10"/>
+          <p:cNvSpPr/>
+          <p:nvPr/>
+        </p:nvSpPr>
+        <p:spPr>
+          <a:xfrm>
+            <a:off x="6300192" y="5828377"/>
+            <a:ext cx="216024" cy="216024"/>
+          </a:xfrm>
+          <a:prstGeom prst="rect">
+            <a:avLst/>
+          </a:prstGeom>
+          <a:solidFill>
+            <a:srgbClr val="C00000"/>
+          </a:solidFill>
+          <a:ln>
+            <a:noFill/>
+          </a:ln>
+        </p:spPr>
+        <p:style>
+          <a:lnRef idx="2">
+            <a:schemeClr val="accent1">
+              <a:shade val="50000"/>
+            </a:schemeClr>
+          </a:lnRef>
+          <a:fillRef idx="1">
+            <a:schemeClr val="accent1"/>
+          </a:fillRef>
+          <a:effectRef idx="0">
+            <a:schemeClr val="accent1"/>
+          </a:effectRef>
+          <a:fontRef idx="minor">
+            <a:schemeClr val="lt1"/>
+          </a:fontRef>
+        </p:style>
+        <p:txBody>
+          <a:bodyPr rtlCol="0" anchor="ctr"/>
+          <a:lstStyle/>
+          <a:p>
+            <a:pPr algn="ctr"/>
+            <a:r>
+              <a:rPr lang="en-US" altLang="ko-KR" sz="1400" dirty="0" smtClean="0"/>
+              <a:t>4</a:t>
+            </a:r>
+            <a:endParaRPr lang="ko-KR" altLang="en-US" sz="1400" dirty="0"/>
+          </a:p>
+        </p:txBody>
+      </p:sp>
+      <p:sp>
+        <p:nvSpPr>
+          <p:cNvPr id="12" name="직사각형 11"/>
+          <p:cNvSpPr/>
+          <p:nvPr/>
+        </p:nvSpPr>
+        <p:spPr>
+          <a:xfrm>
+            <a:off x="133273" y="188640"/>
+            <a:ext cx="216024" cy="216024"/>
+          </a:xfrm>
+          <a:prstGeom prst="rect">
+            <a:avLst/>
+          </a:prstGeom>
+          <a:solidFill>
+            <a:srgbClr val="C00000"/>
+          </a:solidFill>
+          <a:ln>
+            <a:noFill/>
+          </a:ln>
+        </p:spPr>
+        <p:style>
+          <a:lnRef idx="2">
+            <a:schemeClr val="accent1">
+              <a:shade val="50000"/>
+            </a:schemeClr>
+          </a:lnRef>
+          <a:fillRef idx="1">
+            <a:schemeClr val="accent1"/>
+          </a:fillRef>
+          <a:effectRef idx="0">
+            <a:schemeClr val="accent1"/>
+          </a:effectRef>
+          <a:fontRef idx="minor">
+            <a:schemeClr val="lt1"/>
+          </a:fontRef>
+        </p:style>
+        <p:txBody>
+          <a:bodyPr rtlCol="0" anchor="ctr"/>
+          <a:lstStyle/>
+          <a:p>
+            <a:pPr algn="ctr"/>
+            <a:r>
+              <a:rPr lang="en-US" altLang="ko-KR" sz="1400" dirty="0"/>
+              <a:t>0</a:t>
+            </a:r>
+            <a:endParaRPr lang="ko-KR" altLang="en-US" sz="1400" dirty="0"/>
+          </a:p>
+        </p:txBody>
+      </p:sp>
+      <p:sp>
+        <p:nvSpPr>
+          <p:cNvPr id="13" name="TextBox 12"/>
+          <p:cNvSpPr txBox="1"/>
+          <p:nvPr/>
+        </p:nvSpPr>
+        <p:spPr>
+          <a:xfrm>
+            <a:off x="6804248" y="188640"/>
+            <a:ext cx="2232248" cy="5632311"/>
+          </a:xfrm>
+          <a:prstGeom prst="rect">
+            <a:avLst/>
+          </a:prstGeom>
+          <a:noFill/>
+        </p:spPr>
+        <p:txBody>
+          <a:bodyPr wrap="square" rtlCol="0">
+            <a:spAutoFit/>
+          </a:bodyPr>
+          <a:lstStyle/>
+          <a:p>
+            <a:r>
+              <a:rPr lang="en-US" altLang="ko-KR" sz="1200" dirty="0" smtClean="0"/>
+              <a:t>[0] </a:t>
+            </a:r>
+            <a:r>
+              <a:rPr lang="ko-KR" altLang="en-US" sz="1200" dirty="0" smtClean="0"/>
+              <a:t>장소 항목을 선택한다</a:t>
+            </a:r>
+            <a:r>
+              <a:rPr lang="en-US" altLang="ko-KR" sz="1200" dirty="0" smtClean="0"/>
+              <a:t>.</a:t>
+            </a:r>
+          </a:p>
+          <a:p>
+            <a:r>
+              <a:rPr lang="en-US" altLang="ko-KR" sz="1200" dirty="0" smtClean="0"/>
+              <a:t>※ </a:t>
+            </a:r>
+            <a:r>
+              <a:rPr lang="ko-KR" altLang="en-US" sz="1200" dirty="0" smtClean="0"/>
+              <a:t>장소</a:t>
+            </a:r>
+            <a:r>
+              <a:rPr lang="en-US" altLang="ko-KR" sz="1200" dirty="0" smtClean="0"/>
+              <a:t>, </a:t>
+            </a:r>
+            <a:r>
+              <a:rPr lang="ko-KR" altLang="en-US" sz="1200" dirty="0" smtClean="0"/>
+              <a:t>숙박</a:t>
+            </a:r>
+            <a:r>
+              <a:rPr lang="en-US" altLang="ko-KR" sz="1200" dirty="0" smtClean="0"/>
+              <a:t>, </a:t>
+            </a:r>
+            <a:r>
+              <a:rPr lang="ko-KR" altLang="en-US" sz="1200" dirty="0" smtClean="0"/>
+              <a:t>날씨</a:t>
+            </a:r>
+            <a:r>
+              <a:rPr lang="en-US" altLang="ko-KR" sz="1200" dirty="0" smtClean="0"/>
+              <a:t>, </a:t>
+            </a:r>
+            <a:r>
+              <a:rPr lang="ko-KR" altLang="en-US" sz="1200" dirty="0" smtClean="0"/>
+              <a:t>교통 등 큰 메뉴 항목들을 좌측 탭에 배치한다</a:t>
+            </a:r>
+            <a:r>
+              <a:rPr lang="en-US" altLang="ko-KR" sz="1200" dirty="0" smtClean="0"/>
+              <a:t>.</a:t>
+            </a:r>
+          </a:p>
+          <a:p>
+            <a:r>
+              <a:rPr lang="en-US" altLang="ko-KR" sz="1200" dirty="0" smtClean="0"/>
+              <a:t>※ </a:t>
+            </a:r>
+            <a:r>
+              <a:rPr lang="ko-KR" altLang="en-US" sz="1200" dirty="0" smtClean="0"/>
+              <a:t>내용 수정일 경우</a:t>
+            </a:r>
+            <a:r>
+              <a:rPr lang="en-US" altLang="ko-KR" sz="1200" dirty="0" smtClean="0"/>
+              <a:t>, </a:t>
+            </a:r>
+            <a:r>
+              <a:rPr lang="ko-KR" altLang="en-US" sz="1200" dirty="0" smtClean="0"/>
+              <a:t>해당 탭이 아닌 탭들은 비활성화 한다</a:t>
+            </a:r>
+            <a:r>
+              <a:rPr lang="en-US" altLang="ko-KR" sz="1200" dirty="0" smtClean="0"/>
+              <a:t>.</a:t>
+            </a:r>
+          </a:p>
+          <a:p>
+            <a:endParaRPr lang="en-US" altLang="ko-KR" sz="1200" dirty="0"/>
+          </a:p>
+          <a:p>
+            <a:r>
+              <a:rPr lang="en-US" altLang="ko-KR" sz="1200" dirty="0" smtClean="0"/>
+              <a:t>[1] “</a:t>
+            </a:r>
+            <a:r>
+              <a:rPr lang="ko-KR" altLang="en-US" sz="1200" dirty="0" smtClean="0"/>
+              <a:t>장소</a:t>
+            </a:r>
+            <a:r>
+              <a:rPr lang="en-US" altLang="ko-KR" sz="1200" dirty="0" smtClean="0"/>
+              <a:t>” </a:t>
+            </a:r>
+            <a:r>
+              <a:rPr lang="ko-KR" altLang="en-US" sz="1200" dirty="0" smtClean="0"/>
+              <a:t>메뉴에서 정한 장소들이 확정장소에 들어온다</a:t>
+            </a:r>
+            <a:r>
+              <a:rPr lang="en-US" altLang="ko-KR" sz="1200" dirty="0" smtClean="0"/>
+              <a:t>.</a:t>
+            </a:r>
+            <a:endParaRPr lang="en-US" altLang="ko-KR" sz="1200" dirty="0"/>
+          </a:p>
+          <a:p>
+            <a:r>
+              <a:rPr lang="ko-KR" altLang="en-US" sz="1200" dirty="0" err="1" smtClean="0"/>
+              <a:t>장소명</a:t>
+            </a:r>
+            <a:r>
+              <a:rPr lang="ko-KR" altLang="en-US" sz="1200" dirty="0" smtClean="0"/>
+              <a:t> 클릭 시 지도에 </a:t>
+            </a:r>
+            <a:r>
+              <a:rPr lang="ko-KR" altLang="en-US" sz="1200" dirty="0" err="1" smtClean="0"/>
+              <a:t>마커가</a:t>
+            </a:r>
+            <a:r>
+              <a:rPr lang="ko-KR" altLang="en-US" sz="1200" dirty="0" smtClean="0"/>
+              <a:t> 표시된다</a:t>
+            </a:r>
+            <a:r>
+              <a:rPr lang="en-US" altLang="ko-KR" sz="1200" dirty="0" smtClean="0"/>
+              <a:t>.</a:t>
+            </a:r>
+          </a:p>
+          <a:p>
+            <a:endParaRPr lang="en-US" altLang="ko-KR" sz="1200" dirty="0"/>
+          </a:p>
+          <a:p>
+            <a:r>
+              <a:rPr lang="en-US" altLang="ko-KR" sz="1200" dirty="0" smtClean="0"/>
+              <a:t>[2] </a:t>
+            </a:r>
+            <a:r>
+              <a:rPr lang="ko-KR" altLang="en-US" sz="1200" dirty="0" smtClean="0"/>
+              <a:t>기존에 같은 여행일자에 저장된 장소들을 지도에 </a:t>
+            </a:r>
+            <a:r>
+              <a:rPr lang="ko-KR" altLang="en-US" sz="1200" dirty="0" err="1" smtClean="0"/>
+              <a:t>마커로</a:t>
+            </a:r>
+            <a:r>
+              <a:rPr lang="ko-KR" altLang="en-US" sz="1200" dirty="0" smtClean="0"/>
+              <a:t> 표시해둔다</a:t>
+            </a:r>
+            <a:r>
+              <a:rPr lang="en-US" altLang="ko-KR" sz="1200" dirty="0" smtClean="0"/>
+              <a:t>.</a:t>
+            </a:r>
+          </a:p>
+          <a:p>
+            <a:endParaRPr lang="en-US" altLang="ko-KR" sz="1200" dirty="0"/>
+          </a:p>
+          <a:p>
+            <a:r>
+              <a:rPr lang="en-US" altLang="ko-KR" sz="1200" dirty="0" smtClean="0"/>
+              <a:t>[3] </a:t>
+            </a:r>
+            <a:r>
+              <a:rPr lang="ko-KR" altLang="en-US" sz="1200" dirty="0" smtClean="0"/>
+              <a:t>장소는 하나씩만 등록할 수 있다</a:t>
+            </a:r>
+            <a:r>
+              <a:rPr lang="en-US" altLang="ko-KR" sz="1200" dirty="0" smtClean="0"/>
+              <a:t>.</a:t>
+            </a:r>
+          </a:p>
+          <a:p>
+            <a:endParaRPr lang="en-US" altLang="ko-KR" sz="1200" dirty="0"/>
+          </a:p>
+          <a:p>
+            <a:r>
+              <a:rPr lang="en-US" altLang="ko-KR" sz="1200" dirty="0" smtClean="0"/>
+              <a:t>[5] </a:t>
+            </a:r>
+            <a:r>
+              <a:rPr lang="ko-KR" altLang="en-US" sz="1200" dirty="0" smtClean="0"/>
+              <a:t>여행일자 </a:t>
+            </a:r>
+            <a:r>
+              <a:rPr lang="en-US" altLang="ko-KR" sz="1200" dirty="0" smtClean="0"/>
+              <a:t>ex) DAY2 </a:t>
+            </a:r>
+            <a:r>
+              <a:rPr lang="ko-KR" altLang="en-US" sz="1200" dirty="0" smtClean="0"/>
+              <a:t>를 </a:t>
+            </a:r>
+            <a:r>
+              <a:rPr lang="ko-KR" altLang="en-US" sz="1200" dirty="0" err="1" smtClean="0"/>
+              <a:t>모달</a:t>
+            </a:r>
+            <a:r>
+              <a:rPr lang="ko-KR" altLang="en-US" sz="1200" dirty="0" smtClean="0"/>
+              <a:t> 상단 타이틀 영역에 노출한다</a:t>
+            </a:r>
+            <a:r>
+              <a:rPr lang="en-US" altLang="ko-KR" sz="1200" dirty="0" smtClean="0"/>
+              <a:t>.</a:t>
+            </a:r>
+          </a:p>
+          <a:p>
+            <a:endParaRPr lang="en-US" altLang="ko-KR" sz="1200" dirty="0"/>
+          </a:p>
+          <a:p>
+            <a:r>
+              <a:rPr lang="en-US" altLang="ko-KR" sz="1200" dirty="0" smtClean="0"/>
+              <a:t>[6] </a:t>
+            </a:r>
+            <a:r>
+              <a:rPr lang="ko-KR" altLang="en-US" sz="1200" dirty="0" smtClean="0"/>
+              <a:t>저장을 누르면 </a:t>
+            </a:r>
+            <a:r>
+              <a:rPr lang="en-US" altLang="ko-KR" sz="1200" dirty="0" smtClean="0"/>
+              <a:t>“</a:t>
+            </a:r>
+            <a:r>
+              <a:rPr lang="ko-KR" altLang="en-US" sz="1200" dirty="0" smtClean="0"/>
+              <a:t>추가로 등록하시겠습니까</a:t>
+            </a:r>
+            <a:r>
+              <a:rPr lang="en-US" altLang="ko-KR" sz="1200" dirty="0" smtClean="0"/>
+              <a:t>?” </a:t>
+            </a:r>
+            <a:r>
+              <a:rPr lang="ko-KR" altLang="en-US" sz="1200" dirty="0" err="1" smtClean="0"/>
+              <a:t>앨럿이</a:t>
+            </a:r>
+            <a:r>
+              <a:rPr lang="ko-KR" altLang="en-US" sz="1200" dirty="0" smtClean="0"/>
+              <a:t> 뜨고</a:t>
+            </a:r>
+            <a:r>
+              <a:rPr lang="en-US" altLang="ko-KR" sz="1200" dirty="0" smtClean="0"/>
+              <a:t>, </a:t>
+            </a:r>
+            <a:r>
+              <a:rPr lang="ko-KR" altLang="en-US" sz="1200" dirty="0" smtClean="0"/>
+              <a:t>예를 클릭하면 </a:t>
+            </a:r>
+            <a:r>
+              <a:rPr lang="ko-KR" altLang="en-US" sz="1200" dirty="0" err="1" smtClean="0"/>
+              <a:t>모달</a:t>
+            </a:r>
+            <a:r>
+              <a:rPr lang="ko-KR" altLang="en-US" sz="1200" dirty="0" smtClean="0"/>
+              <a:t> 꺼지지 않고 등록하고</a:t>
+            </a:r>
+            <a:r>
+              <a:rPr lang="en-US" altLang="ko-KR" sz="1200" dirty="0"/>
+              <a:t> </a:t>
+            </a:r>
+            <a:r>
+              <a:rPr lang="ko-KR" altLang="en-US" sz="1200" dirty="0" smtClean="0"/>
+              <a:t>아니오 클릭하면 </a:t>
+            </a:r>
+            <a:r>
+              <a:rPr lang="ko-KR" altLang="en-US" sz="1200" dirty="0" err="1" smtClean="0"/>
+              <a:t>모달</a:t>
+            </a:r>
+            <a:r>
+              <a:rPr lang="ko-KR" altLang="en-US" sz="1200" dirty="0" smtClean="0"/>
+              <a:t> 꺼짐</a:t>
+            </a:r>
+            <a:endParaRPr lang="en-US" altLang="ko-KR" sz="1200" dirty="0" smtClean="0"/>
+          </a:p>
+          <a:p>
+            <a:endParaRPr lang="en-US" altLang="ko-KR" sz="1200" dirty="0"/>
+          </a:p>
+          <a:p>
+            <a:r>
+              <a:rPr lang="en-US" altLang="ko-KR" sz="1200" dirty="0" smtClean="0"/>
+              <a:t>※ </a:t>
+            </a:r>
+            <a:r>
+              <a:rPr lang="ko-KR" altLang="en-US" sz="1200" dirty="0" smtClean="0"/>
+              <a:t>카테고리는 추후 개발</a:t>
+            </a:r>
+            <a:endParaRPr lang="en-US" altLang="ko-KR" sz="1200" dirty="0" smtClean="0"/>
+          </a:p>
+        </p:txBody>
+      </p:sp>
+      <p:pic>
+        <p:nvPicPr>
+          <p:cNvPr id="2050" name="Picture 2"/>
+          <p:cNvPicPr>
+            <a:picLocks noChangeAspect="1" noChangeArrowheads="1"/>
+          </p:cNvPicPr>
+          <p:nvPr/>
+        </p:nvPicPr>
+        <p:blipFill>
+          <a:blip r:embed="rId3">
+            <a:extLst>
+              <a:ext uri="{28A0092B-C50C-407E-A947-70E740481C1C}">
+                <a14:useLocalDpi xmlns:a14="http://schemas.microsoft.com/office/drawing/2010/main" val="0"/>
+              </a:ext>
+            </a:extLst>
+          </a:blip>
+          <a:srcRect/>
+          <a:stretch>
+            <a:fillRect/>
+          </a:stretch>
+        </p:blipFill>
+        <p:spPr bwMode="auto">
+          <a:xfrm>
+            <a:off x="5436096" y="2913239"/>
+            <a:ext cx="744214" cy="2769771"/>
+          </a:xfrm>
+          <a:prstGeom prst="rect">
+            <a:avLst/>
+          </a:prstGeom>
+          <a:noFill/>
+          <a:ln>
+            <a:noFill/>
+          </a:ln>
+          <a:effectLst/>
+          <a:extLst>
+            <a:ext uri="{909E8E84-426E-40DD-AFC4-6F175D3DCCD1}">
+              <a14:hiddenFill xmlns:a14="http://schemas.microsoft.com/office/drawing/2010/main">
+                <a:solidFill>
+                  <a:schemeClr val="accent1"/>
+                </a:solidFill>
+              </a14:hiddenFill>
+            </a:ext>
+            <a:ext uri="{91240B29-F687-4F45-9708-019B960494DF}">
+              <a14:hiddenLine xmlns:a14="http://schemas.microsoft.com/office/drawing/2010/main" w="9525">
+                <a:solidFill>
+                  <a:schemeClr val="tx1"/>
+                </a:solidFill>
+                <a:miter lim="800000"/>
+                <a:headEnd/>
+                <a:tailEnd/>
+              </a14:hiddenLine>
+            </a:ext>
+            <a:ext uri="{AF507438-7753-43E0-B8FC-AC1667EBCBE1}">
+              <a14:hiddenEffects xmlns:a14="http://schemas.microsoft.com/office/drawing/2010/main">
+                <a:effectLst>
+                  <a:outerShdw dist="35921" dir="2700000" algn="ctr" rotWithShape="0">
+                    <a:schemeClr val="bg2"/>
+                  </a:outerShdw>
+                </a:effectLst>
+              </a14:hiddenEffects>
+            </a:ext>
+          </a:extLst>
+        </p:spPr>
+      </p:pic>
+      <p:sp>
+        <p:nvSpPr>
+          <p:cNvPr id="15" name="직사각형 14"/>
+          <p:cNvSpPr/>
+          <p:nvPr/>
+        </p:nvSpPr>
+        <p:spPr>
+          <a:xfrm>
+            <a:off x="5358042" y="2805227"/>
+            <a:ext cx="822268" cy="216024"/>
+          </a:xfrm>
+          <a:prstGeom prst="rect">
+            <a:avLst/>
+          </a:prstGeom>
+          <a:solidFill>
+            <a:srgbClr val="C00000"/>
+          </a:solidFill>
+          <a:ln>
+            <a:noFill/>
+          </a:ln>
+        </p:spPr>
+        <p:style>
+          <a:lnRef idx="2">
+            <a:schemeClr val="accent1">
+              <a:shade val="50000"/>
+            </a:schemeClr>
+          </a:lnRef>
+          <a:fillRef idx="1">
+            <a:schemeClr val="accent1"/>
+          </a:fillRef>
+          <a:effectRef idx="0">
+            <a:schemeClr val="accent1"/>
+          </a:effectRef>
+          <a:fontRef idx="minor">
+            <a:schemeClr val="lt1"/>
+          </a:fontRef>
+        </p:style>
+        <p:txBody>
+          <a:bodyPr rtlCol="0" anchor="ctr"/>
+          <a:lstStyle/>
+          <a:p>
+            <a:pPr algn="ctr"/>
+            <a:r>
+              <a:rPr lang="ko-KR" altLang="en-US" sz="1100" dirty="0" smtClean="0"/>
+              <a:t>비활성</a:t>
+            </a:r>
+            <a:r>
+              <a:rPr lang="ko-KR" altLang="en-US" sz="1100" dirty="0"/>
+              <a:t>화</a:t>
+            </a:r>
+          </a:p>
+        </p:txBody>
+      </p:sp>
+      <p:sp>
+        <p:nvSpPr>
+          <p:cNvPr id="14" name="직사각형 13"/>
+          <p:cNvSpPr/>
+          <p:nvPr/>
+        </p:nvSpPr>
+        <p:spPr>
+          <a:xfrm>
+            <a:off x="1331640" y="2420888"/>
+            <a:ext cx="4104456" cy="1944216"/>
+          </a:xfrm>
+          <a:prstGeom prst="rect">
+            <a:avLst/>
+          </a:prstGeom>
+          <a:solidFill>
+            <a:schemeClr val="tx1">
+              <a:lumMod val="50000"/>
+              <a:lumOff val="50000"/>
+            </a:schemeClr>
+          </a:solidFill>
+          <a:ln>
+            <a:noFill/>
+          </a:ln>
+        </p:spPr>
+        <p:style>
+          <a:lnRef idx="2">
+            <a:schemeClr val="accent1">
+              <a:shade val="50000"/>
+            </a:schemeClr>
+          </a:lnRef>
+          <a:fillRef idx="1">
+            <a:schemeClr val="accent1"/>
+          </a:fillRef>
+          <a:effectRef idx="0">
+            <a:schemeClr val="accent1"/>
+          </a:effectRef>
+          <a:fontRef idx="minor">
+            <a:schemeClr val="lt1"/>
+          </a:fontRef>
+        </p:style>
+        <p:txBody>
+          <a:bodyPr rtlCol="0" anchor="ctr"/>
+          <a:lstStyle/>
+          <a:p>
+            <a:pPr algn="ctr"/>
+            <a:r>
+              <a:rPr lang="ko-KR" altLang="en-US" dirty="0" smtClean="0"/>
+              <a:t>추가로 장소 등록 하시겠습니까</a:t>
+            </a:r>
+            <a:r>
+              <a:rPr lang="en-US" altLang="ko-KR" dirty="0" smtClean="0"/>
+              <a:t>?</a:t>
+            </a:r>
+          </a:p>
+          <a:p>
+            <a:pPr algn="ctr"/>
+            <a:endParaRPr lang="en-US" altLang="ko-KR" dirty="0"/>
+          </a:p>
+          <a:p>
+            <a:pPr algn="ctr"/>
+            <a:endParaRPr lang="ko-KR" altLang="en-US" dirty="0"/>
+          </a:p>
+        </p:txBody>
+      </p:sp>
+      <p:sp>
+        <p:nvSpPr>
+          <p:cNvPr id="16" name="직사각형 15"/>
+          <p:cNvSpPr/>
+          <p:nvPr/>
+        </p:nvSpPr>
+        <p:spPr>
+          <a:xfrm>
+            <a:off x="2794593" y="3789040"/>
+            <a:ext cx="1152128" cy="432048"/>
+          </a:xfrm>
+          <a:prstGeom prst="rect">
+            <a:avLst/>
+          </a:prstGeom>
+          <a:solidFill>
+            <a:schemeClr val="tx1">
+              <a:lumMod val="65000"/>
+              <a:lumOff val="35000"/>
+            </a:schemeClr>
+          </a:solidFill>
+          <a:ln>
+            <a:noFill/>
+          </a:ln>
+        </p:spPr>
+        <p:style>
+          <a:lnRef idx="2">
+            <a:schemeClr val="accent1">
+              <a:shade val="50000"/>
+            </a:schemeClr>
+          </a:lnRef>
+          <a:fillRef idx="1">
+            <a:schemeClr val="accent1"/>
+          </a:fillRef>
+          <a:effectRef idx="0">
+            <a:schemeClr val="accent1"/>
+          </a:effectRef>
+          <a:fontRef idx="minor">
+            <a:schemeClr val="lt1"/>
+          </a:fontRef>
+        </p:style>
+        <p:txBody>
+          <a:bodyPr rtlCol="0" anchor="ctr"/>
+          <a:lstStyle/>
+          <a:p>
+            <a:pPr algn="ctr"/>
+            <a:r>
+              <a:rPr lang="ko-KR" altLang="en-US" dirty="0" smtClean="0"/>
+              <a:t>예</a:t>
+            </a:r>
+            <a:endParaRPr lang="ko-KR" altLang="en-US" dirty="0"/>
+          </a:p>
+        </p:txBody>
+      </p:sp>
+      <p:sp>
+        <p:nvSpPr>
+          <p:cNvPr id="18" name="직사각형 17"/>
+          <p:cNvSpPr/>
+          <p:nvPr/>
+        </p:nvSpPr>
+        <p:spPr>
+          <a:xfrm>
+            <a:off x="4022624" y="3789040"/>
+            <a:ext cx="1152128" cy="432048"/>
+          </a:xfrm>
+          <a:prstGeom prst="rect">
+            <a:avLst/>
+          </a:prstGeom>
+          <a:solidFill>
+            <a:schemeClr val="tx1">
+              <a:lumMod val="65000"/>
+              <a:lumOff val="35000"/>
+            </a:schemeClr>
+          </a:solidFill>
+          <a:ln>
+            <a:noFill/>
+          </a:ln>
+        </p:spPr>
+        <p:style>
+          <a:lnRef idx="2">
+            <a:schemeClr val="accent1">
+              <a:shade val="50000"/>
+            </a:schemeClr>
+          </a:lnRef>
+          <a:fillRef idx="1">
+            <a:schemeClr val="accent1"/>
+          </a:fillRef>
+          <a:effectRef idx="0">
+            <a:schemeClr val="accent1"/>
+          </a:effectRef>
+          <a:fontRef idx="minor">
+            <a:schemeClr val="lt1"/>
+          </a:fontRef>
+        </p:style>
+        <p:txBody>
+          <a:bodyPr rtlCol="0" anchor="ctr"/>
+          <a:lstStyle/>
+          <a:p>
+            <a:pPr algn="ctr"/>
+            <a:r>
+              <a:rPr lang="ko-KR" altLang="en-US" dirty="0" smtClean="0"/>
+              <a:t>아니오</a:t>
+            </a:r>
+            <a:endParaRPr lang="ko-KR" altLang="en-US" dirty="0"/>
+          </a:p>
+        </p:txBody>
+      </p:sp>
+      <p:sp>
+        <p:nvSpPr>
+          <p:cNvPr id="19" name="직사각형 18"/>
+          <p:cNvSpPr/>
+          <p:nvPr/>
+        </p:nvSpPr>
+        <p:spPr>
+          <a:xfrm>
+            <a:off x="971600" y="407368"/>
+            <a:ext cx="1296144" cy="249324"/>
+          </a:xfrm>
+          <a:prstGeom prst="rect">
+            <a:avLst/>
+          </a:prstGeom>
+          <a:noFill/>
+          <a:ln>
+            <a:solidFill>
+              <a:srgbClr val="C00000"/>
+            </a:solidFill>
+          </a:ln>
+        </p:spPr>
+        <p:style>
+          <a:lnRef idx="2">
+            <a:schemeClr val="accent1">
+              <a:shade val="50000"/>
+            </a:schemeClr>
+          </a:lnRef>
+          <a:fillRef idx="1">
+            <a:schemeClr val="accent1"/>
+          </a:fillRef>
+          <a:effectRef idx="0">
+            <a:schemeClr val="accent1"/>
+          </a:effectRef>
+          <a:fontRef idx="minor">
+            <a:schemeClr val="lt1"/>
+          </a:fontRef>
+        </p:style>
+        <p:txBody>
+          <a:bodyPr rtlCol="0" anchor="ctr"/>
+          <a:lstStyle/>
+          <a:p>
+            <a:pPr algn="ctr"/>
+            <a:endParaRPr lang="ko-KR" altLang="en-US"/>
+          </a:p>
+        </p:txBody>
+      </p:sp>
+      <p:sp>
+        <p:nvSpPr>
+          <p:cNvPr id="20" name="직사각형 19"/>
+          <p:cNvSpPr/>
+          <p:nvPr/>
+        </p:nvSpPr>
+        <p:spPr>
+          <a:xfrm>
+            <a:off x="953672" y="191344"/>
+            <a:ext cx="216024" cy="216024"/>
+          </a:xfrm>
+          <a:prstGeom prst="rect">
+            <a:avLst/>
+          </a:prstGeom>
+          <a:solidFill>
+            <a:srgbClr val="C00000"/>
+          </a:solidFill>
+          <a:ln>
+            <a:noFill/>
+          </a:ln>
+        </p:spPr>
+        <p:style>
+          <a:lnRef idx="2">
+            <a:schemeClr val="accent1">
+              <a:shade val="50000"/>
+            </a:schemeClr>
+          </a:lnRef>
+          <a:fillRef idx="1">
+            <a:schemeClr val="accent1"/>
+          </a:fillRef>
+          <a:effectRef idx="0">
+            <a:schemeClr val="accent1"/>
+          </a:effectRef>
+          <a:fontRef idx="minor">
+            <a:schemeClr val="lt1"/>
+          </a:fontRef>
+        </p:style>
+        <p:txBody>
+          <a:bodyPr rtlCol="0" anchor="ctr"/>
+          <a:lstStyle/>
+          <a:p>
+            <a:pPr algn="ctr"/>
+            <a:r>
+              <a:rPr lang="en-US" altLang="ko-KR" sz="1400" dirty="0"/>
+              <a:t>5</a:t>
+            </a:r>
+            <a:endParaRPr lang="ko-KR" altLang="en-US" sz="1400" dirty="0"/>
+          </a:p>
+        </p:txBody>
+      </p:sp>
+      <p:sp>
+        <p:nvSpPr>
+          <p:cNvPr id="21" name="직사각형 20"/>
+          <p:cNvSpPr/>
+          <p:nvPr/>
+        </p:nvSpPr>
+        <p:spPr>
+          <a:xfrm>
+            <a:off x="1322096" y="2420888"/>
+            <a:ext cx="4114000" cy="1944216"/>
+          </a:xfrm>
+          <a:prstGeom prst="rect">
+            <a:avLst/>
+          </a:prstGeom>
+          <a:noFill/>
+          <a:ln>
+            <a:solidFill>
+              <a:srgbClr val="C00000"/>
+            </a:solidFill>
+          </a:ln>
+        </p:spPr>
+        <p:style>
+          <a:lnRef idx="2">
+            <a:schemeClr val="accent1">
+              <a:shade val="50000"/>
+            </a:schemeClr>
+          </a:lnRef>
+          <a:fillRef idx="1">
+            <a:schemeClr val="accent1"/>
+          </a:fillRef>
+          <a:effectRef idx="0">
+            <a:schemeClr val="accent1"/>
+          </a:effectRef>
+          <a:fontRef idx="minor">
+            <a:schemeClr val="lt1"/>
+          </a:fontRef>
+        </p:style>
+        <p:txBody>
+          <a:bodyPr rtlCol="0" anchor="ctr"/>
+          <a:lstStyle/>
+          <a:p>
+            <a:pPr algn="ctr"/>
+            <a:endParaRPr lang="ko-KR" altLang="en-US"/>
+          </a:p>
+        </p:txBody>
+      </p:sp>
+      <p:sp>
+        <p:nvSpPr>
+          <p:cNvPr id="22" name="직사각형 21"/>
+          <p:cNvSpPr/>
+          <p:nvPr/>
+        </p:nvSpPr>
+        <p:spPr>
+          <a:xfrm>
+            <a:off x="1304168" y="2204864"/>
+            <a:ext cx="216024" cy="216024"/>
+          </a:xfrm>
+          <a:prstGeom prst="rect">
+            <a:avLst/>
+          </a:prstGeom>
+          <a:solidFill>
+            <a:srgbClr val="C00000"/>
+          </a:solidFill>
+          <a:ln>
+            <a:noFill/>
+          </a:ln>
+        </p:spPr>
+        <p:style>
+          <a:lnRef idx="2">
+            <a:schemeClr val="accent1">
+              <a:shade val="50000"/>
+            </a:schemeClr>
+          </a:lnRef>
+          <a:fillRef idx="1">
+            <a:schemeClr val="accent1"/>
+          </a:fillRef>
+          <a:effectRef idx="0">
+            <a:schemeClr val="accent1"/>
+          </a:effectRef>
+          <a:fontRef idx="minor">
+            <a:schemeClr val="lt1"/>
+          </a:fontRef>
+        </p:style>
+        <p:txBody>
+          <a:bodyPr rtlCol="0" anchor="ctr"/>
+          <a:lstStyle/>
+          <a:p>
+            <a:pPr algn="ctr"/>
+            <a:r>
+              <a:rPr lang="en-US" altLang="ko-KR" sz="1400" dirty="0" smtClean="0"/>
+              <a:t>6</a:t>
+            </a:r>
+            <a:endParaRPr lang="ko-KR" altLang="en-US" sz="1400" dirty="0"/>
+          </a:p>
+        </p:txBody>
+      </p:sp>
+    </p:spTree>
+    <p:extLst>
+      <p:ext uri="{BB962C8B-B14F-4D97-AF65-F5344CB8AC3E}">
+        <p14:creationId xmlns:p14="http://schemas.microsoft.com/office/powerpoint/2010/main" val="3047296173"/>
+      </p:ext>
+    </p:extLst>
+  </p:cSld>
+  <p:clrMapOvr>
+    <a:masterClrMapping/>
+  </p:clrMapOvr>
+  <p:timing>
+    <p:tnLst>
+      <p:par>
+        <p:cTn id="1" dur="indefinite" restart="never" nodeType="tmRoot"/>
+      </p:par>
+    </p:tnLst>
+  </p:timing>
+</p:sld>
+</file>
+
+<file path=ppt/slides/slide9.xml><?xml version="1.0" encoding="utf-8"?>
+<p:sld xmlns:a="http://schemas.openxmlformats.org/drawingml/2006/main" xmlns:r="http://schemas.openxmlformats.org/officeDocument/2006/relationships" xmlns:p="http://schemas.openxmlformats.org/presentationml/2006/main">
+  <p:cSld>
+    <p:spTree>
+      <p:nvGrpSpPr>
+        <p:cNvPr id="1" name=""/>
+        <p:cNvGrpSpPr/>
+        <p:nvPr/>
+      </p:nvGrpSpPr>
+      <p:grpSpPr>
+        <a:xfrm>
+          <a:off x="0" y="0"/>
+          <a:ext cx="0" cy="0"/>
+          <a:chOff x="0" y="0"/>
+          <a:chExt cx="0" cy="0"/>
+        </a:xfrm>
+      </p:grpSpPr>
+      <p:sp>
+        <p:nvSpPr>
+          <p:cNvPr id="4" name="직사각형 3"/>
+          <p:cNvSpPr/>
+          <p:nvPr/>
+        </p:nvSpPr>
+        <p:spPr>
+          <a:xfrm>
+            <a:off x="251520" y="404664"/>
+            <a:ext cx="3672408" cy="2304256"/>
+          </a:xfrm>
+          <a:prstGeom prst="rect">
+            <a:avLst/>
+          </a:prstGeom>
+          <a:solidFill>
+            <a:schemeClr val="accent1">
+              <a:lumMod val="20000"/>
+              <a:lumOff val="80000"/>
+            </a:schemeClr>
+          </a:solidFill>
+        </p:spPr>
+        <p:style>
+          <a:lnRef idx="2">
+            <a:schemeClr val="accent1">
+              <a:shade val="50000"/>
+            </a:schemeClr>
+          </a:lnRef>
+          <a:fillRef idx="1">
+            <a:schemeClr val="accent1"/>
+          </a:fillRef>
+          <a:effectRef idx="0">
+            <a:schemeClr val="accent1"/>
+          </a:effectRef>
+          <a:fontRef idx="minor">
+            <a:schemeClr val="lt1"/>
+          </a:fontRef>
+        </p:style>
+        <p:txBody>
+          <a:bodyPr rtlCol="0" anchor="ctr"/>
+          <a:lstStyle/>
+          <a:p>
+            <a:pPr algn="ctr"/>
+            <a:endParaRPr lang="ko-KR" altLang="en-US"/>
+          </a:p>
+        </p:txBody>
+      </p:sp>
+      <p:sp>
+        <p:nvSpPr>
+          <p:cNvPr id="5" name="직사각형 4"/>
+          <p:cNvSpPr/>
+          <p:nvPr/>
+        </p:nvSpPr>
+        <p:spPr>
+          <a:xfrm>
+            <a:off x="3799440" y="409874"/>
+            <a:ext cx="124488" cy="1854645"/>
+          </a:xfrm>
+          <a:prstGeom prst="rect">
+            <a:avLst/>
+          </a:prstGeom>
+          <a:solidFill>
+            <a:schemeClr val="bg1">
+              <a:lumMod val="50000"/>
+            </a:schemeClr>
+          </a:solidFill>
+          <a:ln>
+            <a:solidFill>
+              <a:schemeClr val="tx1"/>
+            </a:solidFill>
+          </a:ln>
+        </p:spPr>
+        <p:style>
+          <a:lnRef idx="2">
+            <a:schemeClr val="accent1">
+              <a:shade val="50000"/>
+            </a:schemeClr>
+          </a:lnRef>
+          <a:fillRef idx="1">
+            <a:schemeClr val="accent1"/>
+          </a:fillRef>
+          <a:effectRef idx="0">
+            <a:schemeClr val="accent1"/>
+          </a:effectRef>
+          <a:fontRef idx="minor">
+            <a:schemeClr val="lt1"/>
+          </a:fontRef>
+        </p:style>
+        <p:txBody>
+          <a:bodyPr rtlCol="0" anchor="ctr"/>
+          <a:lstStyle/>
+          <a:p>
+            <a:pPr algn="ctr"/>
+            <a:endParaRPr lang="ko-KR" altLang="en-US"/>
+          </a:p>
+        </p:txBody>
+      </p:sp>
+      <p:sp>
+        <p:nvSpPr>
+          <p:cNvPr id="6" name="직사각형 5"/>
+          <p:cNvSpPr/>
+          <p:nvPr/>
+        </p:nvSpPr>
+        <p:spPr>
+          <a:xfrm>
+            <a:off x="827584" y="908720"/>
+            <a:ext cx="2520280" cy="1800200"/>
+          </a:xfrm>
+          <a:prstGeom prst="rect">
+            <a:avLst/>
+          </a:prstGeom>
+        </p:spPr>
+        <p:style>
+          <a:lnRef idx="2">
+            <a:schemeClr val="accent1">
+              <a:shade val="50000"/>
+            </a:schemeClr>
+          </a:lnRef>
+          <a:fillRef idx="1">
+            <a:schemeClr val="accent1"/>
+          </a:fillRef>
+          <a:effectRef idx="0">
+            <a:schemeClr val="accent1"/>
+          </a:effectRef>
+          <a:fontRef idx="minor">
+            <a:schemeClr val="lt1"/>
+          </a:fontRef>
+        </p:style>
+        <p:txBody>
+          <a:bodyPr rtlCol="0" anchor="ctr"/>
+          <a:lstStyle/>
+          <a:p>
+            <a:pPr algn="ctr"/>
+            <a:r>
+              <a:rPr lang="ko-KR" altLang="en-US" smtClean="0"/>
+              <a:t>모달</a:t>
+            </a:r>
+            <a:endParaRPr lang="ko-KR" altLang="en-US" dirty="0"/>
+          </a:p>
+        </p:txBody>
+      </p:sp>
+      <p:sp>
+        <p:nvSpPr>
+          <p:cNvPr id="7" name="직사각형 6"/>
+          <p:cNvSpPr/>
+          <p:nvPr/>
+        </p:nvSpPr>
+        <p:spPr>
+          <a:xfrm>
+            <a:off x="261672" y="3140968"/>
+            <a:ext cx="3672408" cy="2304256"/>
+          </a:xfrm>
+          <a:prstGeom prst="rect">
+            <a:avLst/>
+          </a:prstGeom>
+          <a:solidFill>
+            <a:schemeClr val="accent1">
+              <a:lumMod val="20000"/>
+              <a:lumOff val="80000"/>
+            </a:schemeClr>
+          </a:solidFill>
+        </p:spPr>
+        <p:style>
+          <a:lnRef idx="2">
+            <a:schemeClr val="accent1">
+              <a:shade val="50000"/>
+            </a:schemeClr>
+          </a:lnRef>
+          <a:fillRef idx="1">
+            <a:schemeClr val="accent1"/>
+          </a:fillRef>
+          <a:effectRef idx="0">
+            <a:schemeClr val="accent1"/>
+          </a:effectRef>
+          <a:fontRef idx="minor">
+            <a:schemeClr val="lt1"/>
+          </a:fontRef>
+        </p:style>
+        <p:txBody>
+          <a:bodyPr rtlCol="0" anchor="ctr"/>
+          <a:lstStyle/>
+          <a:p>
+            <a:pPr algn="ctr"/>
+            <a:endParaRPr lang="ko-KR" altLang="en-US"/>
+          </a:p>
+        </p:txBody>
+      </p:sp>
+      <p:sp>
+        <p:nvSpPr>
+          <p:cNvPr id="9" name="직사각형 8"/>
+          <p:cNvSpPr/>
+          <p:nvPr/>
+        </p:nvSpPr>
+        <p:spPr>
+          <a:xfrm>
+            <a:off x="761386" y="3392996"/>
+            <a:ext cx="2520280" cy="1800200"/>
+          </a:xfrm>
+          <a:prstGeom prst="rect">
+            <a:avLst/>
+          </a:prstGeom>
+        </p:spPr>
+        <p:style>
+          <a:lnRef idx="2">
+            <a:schemeClr val="accent1">
+              <a:shade val="50000"/>
+            </a:schemeClr>
+          </a:lnRef>
+          <a:fillRef idx="1">
+            <a:schemeClr val="accent1"/>
+          </a:fillRef>
+          <a:effectRef idx="0">
+            <a:schemeClr val="accent1"/>
+          </a:effectRef>
+          <a:fontRef idx="minor">
+            <a:schemeClr val="lt1"/>
+          </a:fontRef>
+        </p:style>
+        <p:txBody>
+          <a:bodyPr rtlCol="0" anchor="ctr"/>
+          <a:lstStyle/>
+          <a:p>
+            <a:pPr algn="ctr"/>
+            <a:r>
+              <a:rPr lang="ko-KR" altLang="en-US" smtClean="0"/>
+              <a:t>모달</a:t>
+            </a:r>
+            <a:endParaRPr lang="ko-KR" altLang="en-US" dirty="0"/>
+          </a:p>
+        </p:txBody>
+      </p:sp>
+      <p:sp>
+        <p:nvSpPr>
+          <p:cNvPr id="8" name="직사각형 7"/>
+          <p:cNvSpPr/>
+          <p:nvPr/>
+        </p:nvSpPr>
+        <p:spPr>
+          <a:xfrm>
+            <a:off x="3141985" y="3392996"/>
+            <a:ext cx="124488" cy="1785386"/>
+          </a:xfrm>
+          <a:prstGeom prst="rect">
+            <a:avLst/>
+          </a:prstGeom>
+          <a:solidFill>
+            <a:schemeClr val="bg1">
+              <a:lumMod val="50000"/>
+            </a:schemeClr>
+          </a:solidFill>
+          <a:ln>
+            <a:solidFill>
+              <a:schemeClr val="tx1"/>
+            </a:solidFill>
+          </a:ln>
+        </p:spPr>
+        <p:style>
+          <a:lnRef idx="2">
+            <a:schemeClr val="accent1">
+              <a:shade val="50000"/>
+            </a:schemeClr>
+          </a:lnRef>
+          <a:fillRef idx="1">
+            <a:schemeClr val="accent1"/>
+          </a:fillRef>
+          <a:effectRef idx="0">
+            <a:schemeClr val="accent1"/>
+          </a:effectRef>
+          <a:fontRef idx="minor">
+            <a:schemeClr val="lt1"/>
+          </a:fontRef>
+        </p:style>
+        <p:txBody>
+          <a:bodyPr rtlCol="0" anchor="ctr"/>
+          <a:lstStyle/>
+          <a:p>
+            <a:pPr algn="ctr"/>
+            <a:endParaRPr lang="ko-KR" altLang="en-US"/>
+          </a:p>
+        </p:txBody>
+      </p:sp>
+      <p:sp>
+        <p:nvSpPr>
+          <p:cNvPr id="14" name="TextBox 13"/>
+          <p:cNvSpPr txBox="1"/>
+          <p:nvPr/>
+        </p:nvSpPr>
+        <p:spPr>
+          <a:xfrm>
+            <a:off x="4788024" y="690865"/>
+            <a:ext cx="3547766" cy="923330"/>
+          </a:xfrm>
+          <a:prstGeom prst="rect">
+            <a:avLst/>
+          </a:prstGeom>
+          <a:noFill/>
+        </p:spPr>
+        <p:txBody>
+          <a:bodyPr wrap="none" rtlCol="0">
+            <a:spAutoFit/>
+          </a:bodyPr>
+          <a:lstStyle/>
+          <a:p>
+            <a:r>
+              <a:rPr lang="ko-KR" altLang="en-US" dirty="0" err="1" smtClean="0"/>
+              <a:t>모달</a:t>
+            </a:r>
+            <a:r>
+              <a:rPr lang="ko-KR" altLang="en-US" dirty="0" smtClean="0"/>
+              <a:t> 스크롤 정책</a:t>
+            </a:r>
+            <a:endParaRPr lang="en-US" altLang="ko-KR" dirty="0" smtClean="0"/>
+          </a:p>
+          <a:p>
+            <a:pPr marL="285750" indent="-285750">
+              <a:buFontTx/>
+              <a:buChar char="-"/>
+            </a:pPr>
+            <a:r>
+              <a:rPr lang="ko-KR" altLang="en-US" dirty="0" smtClean="0"/>
+              <a:t>전체 스크롤</a:t>
+            </a:r>
+            <a:r>
+              <a:rPr lang="en-US" altLang="ko-KR" dirty="0" smtClean="0"/>
+              <a:t>(</a:t>
+            </a:r>
+            <a:r>
+              <a:rPr lang="ko-KR" altLang="en-US" dirty="0" smtClean="0"/>
+              <a:t>브라우저 스크롤</a:t>
+            </a:r>
+            <a:r>
+              <a:rPr lang="en-US" altLang="ko-KR" dirty="0" smtClean="0"/>
+              <a:t>)</a:t>
+            </a:r>
+          </a:p>
+          <a:p>
+            <a:pPr marL="285750" indent="-285750">
+              <a:buFontTx/>
+              <a:buChar char="-"/>
+            </a:pPr>
+            <a:r>
+              <a:rPr lang="en-US" altLang="ko-KR" dirty="0" smtClean="0"/>
+              <a:t>(</a:t>
+            </a:r>
+            <a:r>
+              <a:rPr lang="ko-KR" altLang="en-US" dirty="0" err="1" smtClean="0"/>
+              <a:t>인사이트</a:t>
+            </a:r>
+            <a:r>
+              <a:rPr lang="en-US" altLang="ko-KR" dirty="0" smtClean="0"/>
+              <a:t>, </a:t>
+            </a:r>
+            <a:r>
+              <a:rPr lang="ko-KR" altLang="en-US" dirty="0" err="1" smtClean="0"/>
+              <a:t>트렐로</a:t>
+            </a:r>
+            <a:r>
+              <a:rPr lang="ko-KR" altLang="en-US" dirty="0" smtClean="0"/>
+              <a:t> 스타일</a:t>
+            </a:r>
+            <a:r>
+              <a:rPr lang="en-US" altLang="ko-KR" dirty="0" smtClean="0"/>
+              <a:t>)</a:t>
+            </a:r>
+            <a:endParaRPr lang="ko-KR" altLang="en-US" dirty="0"/>
+          </a:p>
+        </p:txBody>
+      </p:sp>
+      <p:sp>
+        <p:nvSpPr>
+          <p:cNvPr id="15" name="직사각형 14"/>
+          <p:cNvSpPr/>
+          <p:nvPr/>
+        </p:nvSpPr>
+        <p:spPr>
+          <a:xfrm>
+            <a:off x="72008" y="188640"/>
+            <a:ext cx="4283968" cy="2664296"/>
+          </a:xfrm>
+          <a:prstGeom prst="rect">
+            <a:avLst/>
+          </a:prstGeom>
+          <a:noFill/>
+          <a:ln>
+            <a:solidFill>
+              <a:srgbClr val="FF0000"/>
+            </a:solidFill>
+          </a:ln>
+        </p:spPr>
+        <p:style>
+          <a:lnRef idx="2">
+            <a:schemeClr val="accent1">
+              <a:shade val="50000"/>
+            </a:schemeClr>
+          </a:lnRef>
+          <a:fillRef idx="1">
+            <a:schemeClr val="accent1"/>
+          </a:fillRef>
+          <a:effectRef idx="0">
+            <a:schemeClr val="accent1"/>
+          </a:effectRef>
+          <a:fontRef idx="minor">
+            <a:schemeClr val="lt1"/>
+          </a:fontRef>
+        </p:style>
+        <p:txBody>
+          <a:bodyPr rtlCol="0" anchor="ctr"/>
+          <a:lstStyle/>
+          <a:p>
+            <a:pPr algn="ctr"/>
+            <a:endParaRPr lang="ko-KR" altLang="en-US"/>
+          </a:p>
+        </p:txBody>
+      </p:sp>
+      <p:sp>
+        <p:nvSpPr>
+          <p:cNvPr id="16" name="직사각형 15"/>
+          <p:cNvSpPr/>
+          <p:nvPr/>
+        </p:nvSpPr>
+        <p:spPr>
+          <a:xfrm>
+            <a:off x="4355976" y="2492896"/>
+            <a:ext cx="936104" cy="360040"/>
+          </a:xfrm>
+          <a:prstGeom prst="rect">
+            <a:avLst/>
+          </a:prstGeom>
+          <a:solidFill>
+            <a:srgbClr val="FF0000"/>
+          </a:solidFill>
+          <a:ln>
+            <a:solidFill>
+              <a:srgbClr val="FF0000"/>
+            </a:solidFill>
+          </a:ln>
+        </p:spPr>
+        <p:style>
+          <a:lnRef idx="2">
+            <a:schemeClr val="accent1">
+              <a:shade val="50000"/>
+            </a:schemeClr>
+          </a:lnRef>
+          <a:fillRef idx="1">
+            <a:schemeClr val="accent1"/>
+          </a:fillRef>
+          <a:effectRef idx="0">
+            <a:schemeClr val="accent1"/>
+          </a:effectRef>
+          <a:fontRef idx="minor">
+            <a:schemeClr val="lt1"/>
+          </a:fontRef>
+        </p:style>
+        <p:txBody>
+          <a:bodyPr rtlCol="0" anchor="ctr"/>
+          <a:lstStyle/>
+          <a:p>
+            <a:pPr algn="ctr"/>
+            <a:r>
+              <a:rPr lang="ko-KR" altLang="en-US" dirty="0" smtClean="0"/>
+              <a:t>결정</a:t>
+            </a:r>
+            <a:endParaRPr lang="ko-KR" altLang="en-US" dirty="0"/>
+          </a:p>
+        </p:txBody>
+      </p:sp>
+    </p:spTree>
+    <p:extLst>
+      <p:ext uri="{BB962C8B-B14F-4D97-AF65-F5344CB8AC3E}">
+        <p14:creationId xmlns:p14="http://schemas.microsoft.com/office/powerpoint/2010/main" val="4100221470"/>
+      </p:ext>
+    </p:extLst>
+  </p:cSld>
+  <p:clrMapOvr>
+    <a:masterClrMapping/>
+  </p:clrMapOvr>
+  <p:timing>
+    <p:tnLst>
+      <p:par>
+        <p:cTn id="1" dur="indefinite" restart="never" nodeType="tmRoot"/>
+      </p:par>
+    </p:tnLst>
+  </p:timing>
+</p:sld>
+</file>
+
 <file path=ppt/theme/theme1.xml><?xml version="1.0" encoding="utf-8"?>
 <a:theme xmlns:a="http://schemas.openxmlformats.org/drawingml/2006/main" name="Office 테마">
   <a:themeElements>
